--- a/ClasesAngular.pptx
+++ b/ClasesAngular.pptx
@@ -121,6 +121,11 @@
       </a:defRPr>
     </a:lvl9pPr>
   </p:defaultTextStyle>
+  <p:extLst>
+    <p:ext uri="{EFAFB233-063F-42B5-8137-9DF3F51BA10A}">
+      <p15:sldGuideLst xmlns:p15="http://schemas.microsoft.com/office/powerpoint/2012/main"/>
+    </p:ext>
+  </p:extLst>
 </p:presentation>
 </file>
 
@@ -398,7 +403,7 @@
           <a:p>
             <a:fld id="{2368479C-FF66-481E-AE23-9AB6367A13AA}" type="datetimeFigureOut">
               <a:rPr lang="en-US" smtClean="0"/>
-              <a:t>8/18/2022</a:t>
+              <a:t>8/22/2022</a:t>
             </a:fld>
             <a:endParaRPr lang="en-US"/>
           </a:p>
@@ -812,7 +817,7 @@
           <a:p>
             <a:fld id="{2368479C-FF66-481E-AE23-9AB6367A13AA}" type="datetimeFigureOut">
               <a:rPr lang="en-US" smtClean="0"/>
-              <a:t>8/18/2022</a:t>
+              <a:t>8/22/2022</a:t>
             </a:fld>
             <a:endParaRPr lang="en-US"/>
           </a:p>
@@ -1148,7 +1153,7 @@
           <a:p>
             <a:fld id="{2368479C-FF66-481E-AE23-9AB6367A13AA}" type="datetimeFigureOut">
               <a:rPr lang="en-US" smtClean="0"/>
-              <a:t>8/18/2022</a:t>
+              <a:t>8/22/2022</a:t>
             </a:fld>
             <a:endParaRPr lang="en-US"/>
           </a:p>
@@ -1553,7 +1558,7 @@
           <a:p>
             <a:fld id="{2368479C-FF66-481E-AE23-9AB6367A13AA}" type="datetimeFigureOut">
               <a:rPr lang="en-US" smtClean="0"/>
-              <a:t>8/18/2022</a:t>
+              <a:t>8/22/2022</a:t>
             </a:fld>
             <a:endParaRPr lang="en-US"/>
           </a:p>
@@ -2121,7 +2126,7 @@
           <a:p>
             <a:fld id="{2368479C-FF66-481E-AE23-9AB6367A13AA}" type="datetimeFigureOut">
               <a:rPr lang="en-US" smtClean="0"/>
-              <a:t>8/18/2022</a:t>
+              <a:t>8/22/2022</a:t>
             </a:fld>
             <a:endParaRPr lang="en-US"/>
           </a:p>
@@ -2802,7 +2807,7 @@
           <a:p>
             <a:fld id="{2368479C-FF66-481E-AE23-9AB6367A13AA}" type="datetimeFigureOut">
               <a:rPr lang="en-US" smtClean="0"/>
-              <a:t>8/18/2022</a:t>
+              <a:t>8/22/2022</a:t>
             </a:fld>
             <a:endParaRPr lang="en-US"/>
           </a:p>
@@ -3715,7 +3720,7 @@
           <a:p>
             <a:fld id="{2368479C-FF66-481E-AE23-9AB6367A13AA}" type="datetimeFigureOut">
               <a:rPr lang="en-US" smtClean="0"/>
-              <a:t>8/18/2022</a:t>
+              <a:t>8/22/2022</a:t>
             </a:fld>
             <a:endParaRPr lang="en-US"/>
           </a:p>
@@ -4028,7 +4033,7 @@
           <a:p>
             <a:fld id="{2368479C-FF66-481E-AE23-9AB6367A13AA}" type="datetimeFigureOut">
               <a:rPr lang="en-US" smtClean="0"/>
-              <a:t>8/18/2022</a:t>
+              <a:t>8/22/2022</a:t>
             </a:fld>
             <a:endParaRPr lang="en-US"/>
           </a:p>
@@ -4292,7 +4297,7 @@
           <a:p>
             <a:fld id="{2368479C-FF66-481E-AE23-9AB6367A13AA}" type="datetimeFigureOut">
               <a:rPr lang="en-US" smtClean="0"/>
-              <a:t>8/18/2022</a:t>
+              <a:t>8/22/2022</a:t>
             </a:fld>
             <a:endParaRPr lang="en-US"/>
           </a:p>
@@ -4615,7 +4620,7 @@
           <a:p>
             <a:fld id="{2368479C-FF66-481E-AE23-9AB6367A13AA}" type="datetimeFigureOut">
               <a:rPr lang="en-US" smtClean="0"/>
-              <a:t>8/18/2022</a:t>
+              <a:t>8/22/2022</a:t>
             </a:fld>
             <a:endParaRPr lang="en-US"/>
           </a:p>
@@ -5004,7 +5009,7 @@
           <a:p>
             <a:fld id="{2368479C-FF66-481E-AE23-9AB6367A13AA}" type="datetimeFigureOut">
               <a:rPr lang="en-US" smtClean="0"/>
-              <a:t>8/18/2022</a:t>
+              <a:t>8/22/2022</a:t>
             </a:fld>
             <a:endParaRPr lang="en-US"/>
           </a:p>
@@ -5380,7 +5385,7 @@
           <a:p>
             <a:fld id="{2368479C-FF66-481E-AE23-9AB6367A13AA}" type="datetimeFigureOut">
               <a:rPr lang="en-US" smtClean="0"/>
-              <a:t>8/18/2022</a:t>
+              <a:t>8/22/2022</a:t>
             </a:fld>
             <a:endParaRPr lang="en-US"/>
           </a:p>
@@ -5886,7 +5891,7 @@
           <a:p>
             <a:fld id="{2368479C-FF66-481E-AE23-9AB6367A13AA}" type="datetimeFigureOut">
               <a:rPr lang="en-US" smtClean="0"/>
-              <a:t>8/18/2022</a:t>
+              <a:t>8/22/2022</a:t>
             </a:fld>
             <a:endParaRPr lang="en-US"/>
           </a:p>
@@ -6143,7 +6148,7 @@
           <a:p>
             <a:fld id="{2368479C-FF66-481E-AE23-9AB6367A13AA}" type="datetimeFigureOut">
               <a:rPr lang="en-US" smtClean="0"/>
-              <a:t>8/18/2022</a:t>
+              <a:t>8/22/2022</a:t>
             </a:fld>
             <a:endParaRPr lang="en-US"/>
           </a:p>
@@ -6306,7 +6311,7 @@
           <a:p>
             <a:fld id="{2368479C-FF66-481E-AE23-9AB6367A13AA}" type="datetimeFigureOut">
               <a:rPr lang="en-US" smtClean="0"/>
-              <a:t>8/18/2022</a:t>
+              <a:t>8/22/2022</a:t>
             </a:fld>
             <a:endParaRPr lang="en-US"/>
           </a:p>
@@ -6696,7 +6701,7 @@
           <a:p>
             <a:fld id="{2368479C-FF66-481E-AE23-9AB6367A13AA}" type="datetimeFigureOut">
               <a:rPr lang="en-US" smtClean="0"/>
-              <a:t>8/18/2022</a:t>
+              <a:t>8/22/2022</a:t>
             </a:fld>
             <a:endParaRPr lang="en-US"/>
           </a:p>
@@ -7105,7 +7110,7 @@
           <a:p>
             <a:fld id="{2368479C-FF66-481E-AE23-9AB6367A13AA}" type="datetimeFigureOut">
               <a:rPr lang="en-US" smtClean="0"/>
-              <a:t>8/18/2022</a:t>
+              <a:t>8/22/2022</a:t>
             </a:fld>
             <a:endParaRPr lang="en-US"/>
           </a:p>
@@ -7349,7 +7354,7 @@
           <a:p>
             <a:fld id="{2368479C-FF66-481E-AE23-9AB6367A13AA}" type="datetimeFigureOut">
               <a:rPr lang="en-US" smtClean="0"/>
-              <a:t>8/18/2022</a:t>
+              <a:t>8/22/2022</a:t>
             </a:fld>
             <a:endParaRPr lang="en-US"/>
           </a:p>
@@ -9200,8 +9205,38 @@
           <a:p>
             <a:r>
               <a:rPr lang="es-ES" dirty="0" smtClean="0"/>
-              <a:t>Tarea: Crear 2 componentes titulo y contenido, incorporar en componente principal</a:t>
-            </a:r>
+              <a:t>Tarea: Crear </a:t>
+            </a:r>
+            <a:r>
+              <a:rPr lang="es-ES" dirty="0" smtClean="0"/>
+              <a:t>3 </a:t>
+            </a:r>
+            <a:r>
+              <a:rPr lang="es-ES" dirty="0" smtClean="0"/>
+              <a:t>componentes </a:t>
+            </a:r>
+            <a:r>
+              <a:rPr lang="es-ES" dirty="0" smtClean="0"/>
+              <a:t>titulo, contenido y </a:t>
+            </a:r>
+            <a:r>
+              <a:rPr lang="es-ES" dirty="0" err="1" smtClean="0"/>
+              <a:t>footer</a:t>
+            </a:r>
+            <a:r>
+              <a:rPr lang="es-ES" dirty="0" smtClean="0"/>
+              <a:t>, </a:t>
+            </a:r>
+            <a:r>
+              <a:rPr lang="es-ES" dirty="0" smtClean="0"/>
+              <a:t>incorporar en componente </a:t>
+            </a:r>
+            <a:r>
+              <a:rPr lang="es-ES" dirty="0" smtClean="0"/>
+              <a:t>principal</a:t>
+            </a:r>
+          </a:p>
+          <a:p>
             <a:endParaRPr lang="es-ES" dirty="0"/>
           </a:p>
           <a:p>
